--- a/Documents/Poster_Bankautomat_Group_17.pptx
+++ b/Documents/Poster_Bankautomat_Group_17.pptx
@@ -212,7 +212,7 @@
             <a:fld id="{19EC9BF0-2C59-2C46-BBD9-7948B59DC01B}" type="datetime1">
               <a:rPr lang="fi-FI" smtClean="0"/>
               <a:pPr/>
-              <a:t>2.5.2022</a:t>
+              <a:t>4.5.2022</a:t>
             </a:fld>
             <a:endParaRPr lang="fi-FI"/>
           </a:p>
@@ -380,7 +380,7 @@
             <a:fld id="{0E4AA8A8-4D46-BD40-89BF-70B4CBE4D6DF}" type="datetime1">
               <a:rPr lang="fi-FI" smtClean="0"/>
               <a:pPr/>
-              <a:t>2.5.2022</a:t>
+              <a:t>4.5.2022</a:t>
             </a:fld>
             <a:endParaRPr lang="fi-FI"/>
           </a:p>
@@ -2996,15 +2996,7 @@
             </a:r>
             <a:r>
               <a:rPr lang="fi-FI" dirty="0"/>
-              <a:t> </a:t>
-            </a:r>
-            <a:r>
-              <a:rPr lang="fi-FI" dirty="0" err="1"/>
-              <a:t>RestAPI</a:t>
-            </a:r>
-            <a:r>
-              <a:rPr lang="fi-FI" dirty="0"/>
-              <a:t> </a:t>
+              <a:t> REST API </a:t>
             </a:r>
             <a:r>
               <a:rPr lang="fi-FI" dirty="0" err="1"/>
@@ -3153,7 +3145,7 @@
           <a:p>
             <a:r>
               <a:rPr lang="en-US" dirty="0"/>
-              <a:t>The ATM is created in environment based on Qt-Creator, C++, which is linked to MySQL database via Rest API. It requires the newest version of Windows to work properly. Card reading is executed in Qt environment from a serial port by using RFID –card reader. Rest API uses open-source Node.js runtime environment and is used to </a:t>
+              <a:t>The ATM is created in environment based on Qt-Creator, C++, which is linked to MySQL database via REST API. It requires the newest version of Windows to work properly. Card reading is executed in Qt environment from a serial port by using RFID –card reader. REST API uses open-source Node.js runtime environment and is used to </a:t>
             </a:r>
             <a:r>
               <a:rPr lang="fi-FI" dirty="0" err="1"/>
@@ -3793,15 +3785,7 @@
             </a:r>
             <a:r>
               <a:rPr lang="fi-FI" dirty="0"/>
-              <a:t> </a:t>
-            </a:r>
-            <a:r>
-              <a:rPr lang="fi-FI" dirty="0" err="1"/>
-              <a:t>RestAPI</a:t>
-            </a:r>
-            <a:r>
-              <a:rPr lang="fi-FI" dirty="0"/>
-              <a:t>, </a:t>
+              <a:t> REST API, </a:t>
             </a:r>
             <a:r>
               <a:rPr lang="fi-FI" dirty="0" err="1"/>
